--- a/Designing-and-HR-database/database-requirement-document.pptx
+++ b/Designing-and-HR-database/database-requirement-document.pptx
@@ -316,6 +316,7 @@
     <p1510:client id="{7E9CA321-0F22-B7FE-9890-B1F1A4E580F7}" v="1292" dt="2021-05-31T00:17:56.146"/>
     <p1510:client id="{9B945FA4-5641-E89D-096D-37E54495DC63}" v="5" dt="2021-05-31T20:59:13.605"/>
     <p1510:client id="{E2A9E4CC-0162-484A-88C1-06B984FB0819}" v="363" dt="2021-06-01T02:53:24.519"/>
+    <p1510:client id="{E820963D-64A6-62FA-FD60-D4EF92B91E33}" v="1054" dt="2021-06-06T14:59:13.701"/>
   </p1510:revLst>
 </p1510:revInfo>
 </file>
@@ -354,6 +355,46 @@
     </pc:docChg>
   </pc:docChgLst>
   <pc:docChgLst>
+    <pc:chgData name="Fabio Augusto Pereira" userId="S::pereira@ciandt.com::538dfebc-3765-4292-9988-9ddb16e06cc4" providerId="AD" clId="Web-{3A6E06F6-4D3B-B31A-26FD-2ADB78ECC5A3}"/>
+    <pc:docChg chg="modSld">
+      <pc:chgData name="Fabio Augusto Pereira" userId="S::pereira@ciandt.com::538dfebc-3765-4292-9988-9ddb16e06cc4" providerId="AD" clId="Web-{3A6E06F6-4D3B-B31A-26FD-2ADB78ECC5A3}" dt="2021-05-31T22:55:05.820" v="39" actId="20577"/>
+      <pc:docMkLst>
+        <pc:docMk/>
+      </pc:docMkLst>
+      <pc:sldChg chg="addSp delSp modSp">
+        <pc:chgData name="Fabio Augusto Pereira" userId="S::pereira@ciandt.com::538dfebc-3765-4292-9988-9ddb16e06cc4" providerId="AD" clId="Web-{3A6E06F6-4D3B-B31A-26FD-2ADB78ECC5A3}" dt="2021-05-31T22:55:05.820" v="39" actId="20577"/>
+        <pc:sldMkLst>
+          <pc:docMk/>
+          <pc:sldMk cId="0" sldId="272"/>
+        </pc:sldMkLst>
+        <pc:spChg chg="mod">
+          <ac:chgData name="Fabio Augusto Pereira" userId="S::pereira@ciandt.com::538dfebc-3765-4292-9988-9ddb16e06cc4" providerId="AD" clId="Web-{3A6E06F6-4D3B-B31A-26FD-2ADB78ECC5A3}" dt="2021-05-31T22:55:05.820" v="39" actId="20577"/>
+          <ac:spMkLst>
+            <pc:docMk/>
+            <pc:sldMk cId="0" sldId="272"/>
+            <ac:spMk id="282" creationId="{00000000-0000-0000-0000-000000000000}"/>
+          </ac:spMkLst>
+        </pc:spChg>
+        <pc:picChg chg="add mod">
+          <ac:chgData name="Fabio Augusto Pereira" userId="S::pereira@ciandt.com::538dfebc-3765-4292-9988-9ddb16e06cc4" providerId="AD" clId="Web-{3A6E06F6-4D3B-B31A-26FD-2ADB78ECC5A3}" dt="2021-05-31T22:53:56.131" v="5" actId="1076"/>
+          <ac:picMkLst>
+            <pc:docMk/>
+            <pc:sldMk cId="0" sldId="272"/>
+            <ac:picMk id="2" creationId="{39611DD7-AEAF-48E2-BC17-650DA6D5F8F1}"/>
+          </ac:picMkLst>
+        </pc:picChg>
+        <pc:picChg chg="del">
+          <ac:chgData name="Fabio Augusto Pereira" userId="S::pereira@ciandt.com::538dfebc-3765-4292-9988-9ddb16e06cc4" providerId="AD" clId="Web-{3A6E06F6-4D3B-B31A-26FD-2ADB78ECC5A3}" dt="2021-05-31T22:53:42.709" v="0"/>
+          <ac:picMkLst>
+            <pc:docMk/>
+            <pc:sldMk cId="0" sldId="272"/>
+            <ac:picMk id="283" creationId="{00000000-0000-0000-0000-000000000000}"/>
+          </ac:picMkLst>
+        </pc:picChg>
+      </pc:sldChg>
+    </pc:docChg>
+  </pc:docChgLst>
+  <pc:docChgLst>
     <pc:chgData name="Fabio Augusto Pereira" userId="S::pereira@ciandt.com::538dfebc-3765-4292-9988-9ddb16e06cc4" providerId="AD" clId="Web-{4A0F6F64-FD03-AB05-38DA-AB90074A3E64}"/>
     <pc:docChg chg="modSld">
       <pc:chgData name="Fabio Augusto Pereira" userId="S::pereira@ciandt.com::538dfebc-3765-4292-9988-9ddb16e06cc4" providerId="AD" clId="Web-{4A0F6F64-FD03-AB05-38DA-AB90074A3E64}" dt="2021-05-31T01:15:17.178" v="10" actId="1076"/>
@@ -388,46 +429,6 @@
             <pc:docMk/>
             <pc:sldMk cId="0" sldId="269"/>
             <ac:picMk id="264" creationId="{00000000-0000-0000-0000-000000000000}"/>
-          </ac:picMkLst>
-        </pc:picChg>
-      </pc:sldChg>
-    </pc:docChg>
-  </pc:docChgLst>
-  <pc:docChgLst>
-    <pc:chgData name="Fabio Augusto Pereira" userId="S::pereira@ciandt.com::538dfebc-3765-4292-9988-9ddb16e06cc4" providerId="AD" clId="Web-{3A6E06F6-4D3B-B31A-26FD-2ADB78ECC5A3}"/>
-    <pc:docChg chg="modSld">
-      <pc:chgData name="Fabio Augusto Pereira" userId="S::pereira@ciandt.com::538dfebc-3765-4292-9988-9ddb16e06cc4" providerId="AD" clId="Web-{3A6E06F6-4D3B-B31A-26FD-2ADB78ECC5A3}" dt="2021-05-31T22:55:05.820" v="39" actId="20577"/>
-      <pc:docMkLst>
-        <pc:docMk/>
-      </pc:docMkLst>
-      <pc:sldChg chg="addSp delSp modSp">
-        <pc:chgData name="Fabio Augusto Pereira" userId="S::pereira@ciandt.com::538dfebc-3765-4292-9988-9ddb16e06cc4" providerId="AD" clId="Web-{3A6E06F6-4D3B-B31A-26FD-2ADB78ECC5A3}" dt="2021-05-31T22:55:05.820" v="39" actId="20577"/>
-        <pc:sldMkLst>
-          <pc:docMk/>
-          <pc:sldMk cId="0" sldId="272"/>
-        </pc:sldMkLst>
-        <pc:spChg chg="mod">
-          <ac:chgData name="Fabio Augusto Pereira" userId="S::pereira@ciandt.com::538dfebc-3765-4292-9988-9ddb16e06cc4" providerId="AD" clId="Web-{3A6E06F6-4D3B-B31A-26FD-2ADB78ECC5A3}" dt="2021-05-31T22:55:05.820" v="39" actId="20577"/>
-          <ac:spMkLst>
-            <pc:docMk/>
-            <pc:sldMk cId="0" sldId="272"/>
-            <ac:spMk id="282" creationId="{00000000-0000-0000-0000-000000000000}"/>
-          </ac:spMkLst>
-        </pc:spChg>
-        <pc:picChg chg="add mod">
-          <ac:chgData name="Fabio Augusto Pereira" userId="S::pereira@ciandt.com::538dfebc-3765-4292-9988-9ddb16e06cc4" providerId="AD" clId="Web-{3A6E06F6-4D3B-B31A-26FD-2ADB78ECC5A3}" dt="2021-05-31T22:53:56.131" v="5" actId="1076"/>
-          <ac:picMkLst>
-            <pc:docMk/>
-            <pc:sldMk cId="0" sldId="272"/>
-            <ac:picMk id="2" creationId="{39611DD7-AEAF-48E2-BC17-650DA6D5F8F1}"/>
-          </ac:picMkLst>
-        </pc:picChg>
-        <pc:picChg chg="del">
-          <ac:chgData name="Fabio Augusto Pereira" userId="S::pereira@ciandt.com::538dfebc-3765-4292-9988-9ddb16e06cc4" providerId="AD" clId="Web-{3A6E06F6-4D3B-B31A-26FD-2ADB78ECC5A3}" dt="2021-05-31T22:53:42.709" v="0"/>
-          <ac:picMkLst>
-            <pc:docMk/>
-            <pc:sldMk cId="0" sldId="272"/>
-            <ac:picMk id="283" creationId="{00000000-0000-0000-0000-000000000000}"/>
           </ac:picMkLst>
         </pc:picChg>
       </pc:sldChg>
@@ -656,6 +657,368 @@
             <ac:spMk id="331" creationId="{00000000-0000-0000-0000-000000000000}"/>
           </ac:spMkLst>
         </pc:spChg>
+      </pc:sldChg>
+    </pc:docChg>
+  </pc:docChgLst>
+  <pc:docChgLst>
+    <pc:chgData name="Fabio Augusto Pereira" userId="S::pereira@ciandt.com::538dfebc-3765-4292-9988-9ddb16e06cc4" providerId="AD" clId="Web-{E820963D-64A6-62FA-FD60-D4EF92B91E33}"/>
+    <pc:docChg chg="addSld delSld modSld">
+      <pc:chgData name="Fabio Augusto Pereira" userId="S::pereira@ciandt.com::538dfebc-3765-4292-9988-9ddb16e06cc4" providerId="AD" clId="Web-{E820963D-64A6-62FA-FD60-D4EF92B91E33}" dt="2021-06-06T14:59:13.701" v="1039" actId="1076"/>
+      <pc:docMkLst>
+        <pc:docMk/>
+      </pc:docMkLst>
+      <pc:sldChg chg="modSp">
+        <pc:chgData name="Fabio Augusto Pereira" userId="S::pereira@ciandt.com::538dfebc-3765-4292-9988-9ddb16e06cc4" providerId="AD" clId="Web-{E820963D-64A6-62FA-FD60-D4EF92B91E33}" dt="2021-06-05T16:19:08.307" v="780" actId="20577"/>
+        <pc:sldMkLst>
+          <pc:docMk/>
+          <pc:sldMk cId="0" sldId="263"/>
+        </pc:sldMkLst>
+        <pc:spChg chg="mod">
+          <ac:chgData name="Fabio Augusto Pereira" userId="S::pereira@ciandt.com::538dfebc-3765-4292-9988-9ddb16e06cc4" providerId="AD" clId="Web-{E820963D-64A6-62FA-FD60-D4EF92B91E33}" dt="2021-06-05T16:19:08.307" v="780" actId="20577"/>
+          <ac:spMkLst>
+            <pc:docMk/>
+            <pc:sldMk cId="0" sldId="263"/>
+            <ac:spMk id="225" creationId="{00000000-0000-0000-0000-000000000000}"/>
+          </ac:spMkLst>
+        </pc:spChg>
+      </pc:sldChg>
+      <pc:sldChg chg="modSp">
+        <pc:chgData name="Fabio Augusto Pereira" userId="S::pereira@ciandt.com::538dfebc-3765-4292-9988-9ddb16e06cc4" providerId="AD" clId="Web-{E820963D-64A6-62FA-FD60-D4EF92B91E33}" dt="2021-06-05T17:41:30.171" v="834" actId="20577"/>
+        <pc:sldMkLst>
+          <pc:docMk/>
+          <pc:sldMk cId="0" sldId="264"/>
+        </pc:sldMkLst>
+        <pc:spChg chg="mod">
+          <ac:chgData name="Fabio Augusto Pereira" userId="S::pereira@ciandt.com::538dfebc-3765-4292-9988-9ddb16e06cc4" providerId="AD" clId="Web-{E820963D-64A6-62FA-FD60-D4EF92B91E33}" dt="2021-06-05T17:41:30.171" v="834" actId="20577"/>
+          <ac:spMkLst>
+            <pc:docMk/>
+            <pc:sldMk cId="0" sldId="264"/>
+            <ac:spMk id="231" creationId="{00000000-0000-0000-0000-000000000000}"/>
+          </ac:spMkLst>
+        </pc:spChg>
+      </pc:sldChg>
+      <pc:sldChg chg="addSp delSp modSp">
+        <pc:chgData name="Fabio Augusto Pereira" userId="S::pereira@ciandt.com::538dfebc-3765-4292-9988-9ddb16e06cc4" providerId="AD" clId="Web-{E820963D-64A6-62FA-FD60-D4EF92B91E33}" dt="2021-06-05T19:17:02.328" v="853" actId="1076"/>
+        <pc:sldMkLst>
+          <pc:docMk/>
+          <pc:sldMk cId="0" sldId="269"/>
+        </pc:sldMkLst>
+        <pc:picChg chg="add del mod">
+          <ac:chgData name="Fabio Augusto Pereira" userId="S::pereira@ciandt.com::538dfebc-3765-4292-9988-9ddb16e06cc4" providerId="AD" clId="Web-{E820963D-64A6-62FA-FD60-D4EF92B91E33}" dt="2021-06-05T19:16:42.640" v="848"/>
+          <ac:picMkLst>
+            <pc:docMk/>
+            <pc:sldMk cId="0" sldId="269"/>
+            <ac:picMk id="2" creationId="{287B190F-6E46-41C5-91B9-1325AD787583}"/>
+          </ac:picMkLst>
+        </pc:picChg>
+        <pc:picChg chg="add mod">
+          <ac:chgData name="Fabio Augusto Pereira" userId="S::pereira@ciandt.com::538dfebc-3765-4292-9988-9ddb16e06cc4" providerId="AD" clId="Web-{E820963D-64A6-62FA-FD60-D4EF92B91E33}" dt="2021-06-05T19:17:02.328" v="853" actId="1076"/>
+          <ac:picMkLst>
+            <pc:docMk/>
+            <pc:sldMk cId="0" sldId="269"/>
+            <ac:picMk id="3" creationId="{439C0D67-0086-46FA-A39A-EBE4294A0076}"/>
+          </ac:picMkLst>
+        </pc:picChg>
+        <pc:picChg chg="del">
+          <ac:chgData name="Fabio Augusto Pereira" userId="S::pereira@ciandt.com::538dfebc-3765-4292-9988-9ddb16e06cc4" providerId="AD" clId="Web-{E820963D-64A6-62FA-FD60-D4EF92B91E33}" dt="2021-06-05T19:06:34.189" v="842"/>
+          <ac:picMkLst>
+            <pc:docMk/>
+            <pc:sldMk cId="0" sldId="269"/>
+            <ac:picMk id="4" creationId="{105D1A07-D665-4E33-8C96-AC622F541E71}"/>
+          </ac:picMkLst>
+        </pc:picChg>
+      </pc:sldChg>
+      <pc:sldChg chg="addSp delSp modSp">
+        <pc:chgData name="Fabio Augusto Pereira" userId="S::pereira@ciandt.com::538dfebc-3765-4292-9988-9ddb16e06cc4" providerId="AD" clId="Web-{E820963D-64A6-62FA-FD60-D4EF92B91E33}" dt="2021-06-05T23:05:25.599" v="859" actId="1076"/>
+        <pc:sldMkLst>
+          <pc:docMk/>
+          <pc:sldMk cId="0" sldId="272"/>
+        </pc:sldMkLst>
+        <pc:picChg chg="del">
+          <ac:chgData name="Fabio Augusto Pereira" userId="S::pereira@ciandt.com::538dfebc-3765-4292-9988-9ddb16e06cc4" providerId="AD" clId="Web-{E820963D-64A6-62FA-FD60-D4EF92B91E33}" dt="2021-06-05T23:04:26.660" v="854"/>
+          <ac:picMkLst>
+            <pc:docMk/>
+            <pc:sldMk cId="0" sldId="272"/>
+            <ac:picMk id="2" creationId="{39611DD7-AEAF-48E2-BC17-650DA6D5F8F1}"/>
+          </ac:picMkLst>
+        </pc:picChg>
+        <pc:picChg chg="add mod">
+          <ac:chgData name="Fabio Augusto Pereira" userId="S::pereira@ciandt.com::538dfebc-3765-4292-9988-9ddb16e06cc4" providerId="AD" clId="Web-{E820963D-64A6-62FA-FD60-D4EF92B91E33}" dt="2021-06-05T23:05:25.599" v="859" actId="1076"/>
+          <ac:picMkLst>
+            <pc:docMk/>
+            <pc:sldMk cId="0" sldId="272"/>
+            <ac:picMk id="3" creationId="{FF6A20BB-5982-48AB-A829-203C6BFF5354}"/>
+          </ac:picMkLst>
+        </pc:picChg>
+      </pc:sldChg>
+      <pc:sldChg chg="addSp delSp modSp add del">
+        <pc:chgData name="Fabio Augusto Pereira" userId="S::pereira@ciandt.com::538dfebc-3765-4292-9988-9ddb16e06cc4" providerId="AD" clId="Web-{E820963D-64A6-62FA-FD60-D4EF92B91E33}" dt="2021-06-05T23:06:16.397" v="869" actId="1076"/>
+        <pc:sldMkLst>
+          <pc:docMk/>
+          <pc:sldMk cId="0" sldId="273"/>
+        </pc:sldMkLst>
+        <pc:picChg chg="add mod">
+          <ac:chgData name="Fabio Augusto Pereira" userId="S::pereira@ciandt.com::538dfebc-3765-4292-9988-9ddb16e06cc4" providerId="AD" clId="Web-{E820963D-64A6-62FA-FD60-D4EF92B91E33}" dt="2021-06-05T23:06:16.397" v="869" actId="1076"/>
+          <ac:picMkLst>
+            <pc:docMk/>
+            <pc:sldMk cId="0" sldId="273"/>
+            <ac:picMk id="2" creationId="{B922C3D0-A265-4582-B6D4-79D90F1A4417}"/>
+          </ac:picMkLst>
+        </pc:picChg>
+        <pc:picChg chg="del">
+          <ac:chgData name="Fabio Augusto Pereira" userId="S::pereira@ciandt.com::538dfebc-3765-4292-9988-9ddb16e06cc4" providerId="AD" clId="Web-{E820963D-64A6-62FA-FD60-D4EF92B91E33}" dt="2021-06-05T23:05:57.318" v="862"/>
+          <ac:picMkLst>
+            <pc:docMk/>
+            <pc:sldMk cId="0" sldId="273"/>
+            <ac:picMk id="3" creationId="{32AE8692-B5D9-48EC-8BE0-6D2C6648C93C}"/>
+          </ac:picMkLst>
+        </pc:picChg>
+      </pc:sldChg>
+      <pc:sldChg chg="addSp delSp modSp">
+        <pc:chgData name="Fabio Augusto Pereira" userId="S::pereira@ciandt.com::538dfebc-3765-4292-9988-9ddb16e06cc4" providerId="AD" clId="Web-{E820963D-64A6-62FA-FD60-D4EF92B91E33}" dt="2021-06-05T23:07:58.540" v="876" actId="1076"/>
+        <pc:sldMkLst>
+          <pc:docMk/>
+          <pc:sldMk cId="0" sldId="274"/>
+        </pc:sldMkLst>
+        <pc:picChg chg="del">
+          <ac:chgData name="Fabio Augusto Pereira" userId="S::pereira@ciandt.com::538dfebc-3765-4292-9988-9ddb16e06cc4" providerId="AD" clId="Web-{E820963D-64A6-62FA-FD60-D4EF92B91E33}" dt="2021-06-05T23:07:16.117" v="870"/>
+          <ac:picMkLst>
+            <pc:docMk/>
+            <pc:sldMk cId="0" sldId="274"/>
+            <ac:picMk id="2" creationId="{9F5ED98E-ACD8-4214-81F5-55C91CC4A957}"/>
+          </ac:picMkLst>
+        </pc:picChg>
+        <pc:picChg chg="add mod">
+          <ac:chgData name="Fabio Augusto Pereira" userId="S::pereira@ciandt.com::538dfebc-3765-4292-9988-9ddb16e06cc4" providerId="AD" clId="Web-{E820963D-64A6-62FA-FD60-D4EF92B91E33}" dt="2021-06-05T23:07:58.540" v="876" actId="1076"/>
+          <ac:picMkLst>
+            <pc:docMk/>
+            <pc:sldMk cId="0" sldId="274"/>
+            <ac:picMk id="3" creationId="{4C2A8AA5-93F4-4880-8369-B1031084BE6A}"/>
+          </ac:picMkLst>
+        </pc:picChg>
+      </pc:sldChg>
+      <pc:sldChg chg="addSp delSp modSp">
+        <pc:chgData name="Fabio Augusto Pereira" userId="S::pereira@ciandt.com::538dfebc-3765-4292-9988-9ddb16e06cc4" providerId="AD" clId="Web-{E820963D-64A6-62FA-FD60-D4EF92B91E33}" dt="2021-06-05T23:09:20.198" v="886" actId="1076"/>
+        <pc:sldMkLst>
+          <pc:docMk/>
+          <pc:sldMk cId="0" sldId="275"/>
+        </pc:sldMkLst>
+        <pc:picChg chg="del">
+          <ac:chgData name="Fabio Augusto Pereira" userId="S::pereira@ciandt.com::538dfebc-3765-4292-9988-9ddb16e06cc4" providerId="AD" clId="Web-{E820963D-64A6-62FA-FD60-D4EF92B91E33}" dt="2021-06-05T23:08:08.899" v="877"/>
+          <ac:picMkLst>
+            <pc:docMk/>
+            <pc:sldMk cId="0" sldId="275"/>
+            <ac:picMk id="2" creationId="{E950D52B-9A25-4577-A9AD-2CE1018A4C99}"/>
+          </ac:picMkLst>
+        </pc:picChg>
+        <pc:picChg chg="add mod">
+          <ac:chgData name="Fabio Augusto Pereira" userId="S::pereira@ciandt.com::538dfebc-3765-4292-9988-9ddb16e06cc4" providerId="AD" clId="Web-{E820963D-64A6-62FA-FD60-D4EF92B91E33}" dt="2021-06-05T23:09:20.198" v="886" actId="1076"/>
+          <ac:picMkLst>
+            <pc:docMk/>
+            <pc:sldMk cId="0" sldId="275"/>
+            <ac:picMk id="3" creationId="{50C56B74-1A5A-4DB3-BCC8-F5F5D3F6BB9E}"/>
+          </ac:picMkLst>
+        </pc:picChg>
+      </pc:sldChg>
+      <pc:sldChg chg="addSp delSp modSp">
+        <pc:chgData name="Fabio Augusto Pereira" userId="S::pereira@ciandt.com::538dfebc-3765-4292-9988-9ddb16e06cc4" providerId="AD" clId="Web-{E820963D-64A6-62FA-FD60-D4EF92B91E33}" dt="2021-06-05T23:14:16.503" v="897" actId="1076"/>
+        <pc:sldMkLst>
+          <pc:docMk/>
+          <pc:sldMk cId="0" sldId="276"/>
+        </pc:sldMkLst>
+        <pc:picChg chg="del">
+          <ac:chgData name="Fabio Augusto Pereira" userId="S::pereira@ciandt.com::538dfebc-3765-4292-9988-9ddb16e06cc4" providerId="AD" clId="Web-{E820963D-64A6-62FA-FD60-D4EF92B91E33}" dt="2021-06-05T23:13:24.017" v="887"/>
+          <ac:picMkLst>
+            <pc:docMk/>
+            <pc:sldMk cId="0" sldId="276"/>
+            <ac:picMk id="2" creationId="{06173000-5C6E-4817-A58A-1F9CBE2ED504}"/>
+          </ac:picMkLst>
+        </pc:picChg>
+        <pc:picChg chg="add del mod">
+          <ac:chgData name="Fabio Augusto Pereira" userId="S::pereira@ciandt.com::538dfebc-3765-4292-9988-9ddb16e06cc4" providerId="AD" clId="Web-{E820963D-64A6-62FA-FD60-D4EF92B91E33}" dt="2021-06-05T23:13:48.237" v="891"/>
+          <ac:picMkLst>
+            <pc:docMk/>
+            <pc:sldMk cId="0" sldId="276"/>
+            <ac:picMk id="3" creationId="{2DE1FAAF-32B8-4CB7-8CEE-1CACF677EBBF}"/>
+          </ac:picMkLst>
+        </pc:picChg>
+        <pc:picChg chg="add mod">
+          <ac:chgData name="Fabio Augusto Pereira" userId="S::pereira@ciandt.com::538dfebc-3765-4292-9988-9ddb16e06cc4" providerId="AD" clId="Web-{E820963D-64A6-62FA-FD60-D4EF92B91E33}" dt="2021-06-05T23:14:16.503" v="897" actId="1076"/>
+          <ac:picMkLst>
+            <pc:docMk/>
+            <pc:sldMk cId="0" sldId="276"/>
+            <ac:picMk id="4" creationId="{6AA03A74-2AA0-4403-A9CC-2727AC442CEF}"/>
+          </ac:picMkLst>
+        </pc:picChg>
+      </pc:sldChg>
+      <pc:sldChg chg="addSp delSp modSp">
+        <pc:chgData name="Fabio Augusto Pereira" userId="S::pereira@ciandt.com::538dfebc-3765-4292-9988-9ddb16e06cc4" providerId="AD" clId="Web-{E820963D-64A6-62FA-FD60-D4EF92B91E33}" dt="2021-06-05T23:15:33.505" v="903" actId="1076"/>
+        <pc:sldMkLst>
+          <pc:docMk/>
+          <pc:sldMk cId="0" sldId="277"/>
+        </pc:sldMkLst>
+        <pc:picChg chg="del">
+          <ac:chgData name="Fabio Augusto Pereira" userId="S::pereira@ciandt.com::538dfebc-3765-4292-9988-9ddb16e06cc4" providerId="AD" clId="Web-{E820963D-64A6-62FA-FD60-D4EF92B91E33}" dt="2021-06-05T23:15:24.161" v="898"/>
+          <ac:picMkLst>
+            <pc:docMk/>
+            <pc:sldMk cId="0" sldId="277"/>
+            <ac:picMk id="2" creationId="{1B22DD7D-B932-4C28-BA95-9E1089BD6B85}"/>
+          </ac:picMkLst>
+        </pc:picChg>
+        <pc:picChg chg="add mod">
+          <ac:chgData name="Fabio Augusto Pereira" userId="S::pereira@ciandt.com::538dfebc-3765-4292-9988-9ddb16e06cc4" providerId="AD" clId="Web-{E820963D-64A6-62FA-FD60-D4EF92B91E33}" dt="2021-06-05T23:15:33.505" v="903" actId="1076"/>
+          <ac:picMkLst>
+            <pc:docMk/>
+            <pc:sldMk cId="0" sldId="277"/>
+            <ac:picMk id="3" creationId="{18A785BF-783C-4FE7-9EA3-626248E5FBA6}"/>
+          </ac:picMkLst>
+        </pc:picChg>
+      </pc:sldChg>
+      <pc:sldChg chg="addSp delSp modSp">
+        <pc:chgData name="Fabio Augusto Pereira" userId="S::pereira@ciandt.com::538dfebc-3765-4292-9988-9ddb16e06cc4" providerId="AD" clId="Web-{E820963D-64A6-62FA-FD60-D4EF92B91E33}" dt="2021-06-05T23:16:37.194" v="909" actId="1076"/>
+        <pc:sldMkLst>
+          <pc:docMk/>
+          <pc:sldMk cId="0" sldId="278"/>
+        </pc:sldMkLst>
+        <pc:picChg chg="add mod">
+          <ac:chgData name="Fabio Augusto Pereira" userId="S::pereira@ciandt.com::538dfebc-3765-4292-9988-9ddb16e06cc4" providerId="AD" clId="Web-{E820963D-64A6-62FA-FD60-D4EF92B91E33}" dt="2021-06-05T23:16:37.194" v="909" actId="1076"/>
+          <ac:picMkLst>
+            <pc:docMk/>
+            <pc:sldMk cId="0" sldId="278"/>
+            <ac:picMk id="2" creationId="{7C03C518-6B52-4406-8E81-E343A05BEA4D}"/>
+          </ac:picMkLst>
+        </pc:picChg>
+        <pc:picChg chg="del">
+          <ac:chgData name="Fabio Augusto Pereira" userId="S::pereira@ciandt.com::538dfebc-3765-4292-9988-9ddb16e06cc4" providerId="AD" clId="Web-{E820963D-64A6-62FA-FD60-D4EF92B91E33}" dt="2021-06-05T23:15:43.536" v="904"/>
+          <ac:picMkLst>
+            <pc:docMk/>
+            <pc:sldMk cId="0" sldId="278"/>
+            <ac:picMk id="3" creationId="{FC914CCB-7096-469B-B47B-977E4C116D13}"/>
+          </ac:picMkLst>
+        </pc:picChg>
+      </pc:sldChg>
+      <pc:sldChg chg="modSp">
+        <pc:chgData name="Fabio Augusto Pereira" userId="S::pereira@ciandt.com::538dfebc-3765-4292-9988-9ddb16e06cc4" providerId="AD" clId="Web-{E820963D-64A6-62FA-FD60-D4EF92B91E33}" dt="2021-06-06T14:58:55.935" v="1036" actId="20577"/>
+        <pc:sldMkLst>
+          <pc:docMk/>
+          <pc:sldMk cId="0" sldId="279"/>
+        </pc:sldMkLst>
+        <pc:spChg chg="mod">
+          <ac:chgData name="Fabio Augusto Pereira" userId="S::pereira@ciandt.com::538dfebc-3765-4292-9988-9ddb16e06cc4" providerId="AD" clId="Web-{E820963D-64A6-62FA-FD60-D4EF92B91E33}" dt="2021-06-06T14:58:55.935" v="1036" actId="20577"/>
+          <ac:spMkLst>
+            <pc:docMk/>
+            <pc:sldMk cId="0" sldId="279"/>
+            <ac:spMk id="331" creationId="{00000000-0000-0000-0000-000000000000}"/>
+          </ac:spMkLst>
+        </pc:spChg>
+      </pc:sldChg>
+      <pc:sldChg chg="addSp modSp">
+        <pc:chgData name="Fabio Augusto Pereira" userId="S::pereira@ciandt.com::538dfebc-3765-4292-9988-9ddb16e06cc4" providerId="AD" clId="Web-{E820963D-64A6-62FA-FD60-D4EF92B91E33}" dt="2021-06-06T13:44:47.270" v="941" actId="1076"/>
+        <pc:sldMkLst>
+          <pc:docMk/>
+          <pc:sldMk cId="0" sldId="282"/>
+        </pc:sldMkLst>
+        <pc:spChg chg="mod">
+          <ac:chgData name="Fabio Augusto Pereira" userId="S::pereira@ciandt.com::538dfebc-3765-4292-9988-9ddb16e06cc4" providerId="AD" clId="Web-{E820963D-64A6-62FA-FD60-D4EF92B91E33}" dt="2021-06-06T13:44:40.692" v="939" actId="20577"/>
+          <ac:spMkLst>
+            <pc:docMk/>
+            <pc:sldMk cId="0" sldId="282"/>
+            <ac:spMk id="349" creationId="{00000000-0000-0000-0000-000000000000}"/>
+          </ac:spMkLst>
+        </pc:spChg>
+        <pc:picChg chg="add mod">
+          <ac:chgData name="Fabio Augusto Pereira" userId="S::pereira@ciandt.com::538dfebc-3765-4292-9988-9ddb16e06cc4" providerId="AD" clId="Web-{E820963D-64A6-62FA-FD60-D4EF92B91E33}" dt="2021-06-06T13:44:42.770" v="940" actId="1076"/>
+          <ac:picMkLst>
+            <pc:docMk/>
+            <pc:sldMk cId="0" sldId="282"/>
+            <ac:picMk id="2" creationId="{C4B08040-3EED-4A5C-84F8-DEFF2A9BA97C}"/>
+          </ac:picMkLst>
+        </pc:picChg>
+        <pc:picChg chg="add mod">
+          <ac:chgData name="Fabio Augusto Pereira" userId="S::pereira@ciandt.com::538dfebc-3765-4292-9988-9ddb16e06cc4" providerId="AD" clId="Web-{E820963D-64A6-62FA-FD60-D4EF92B91E33}" dt="2021-06-06T13:44:47.270" v="941" actId="1076"/>
+          <ac:picMkLst>
+            <pc:docMk/>
+            <pc:sldMk cId="0" sldId="282"/>
+            <ac:picMk id="3" creationId="{0CB45B0A-65CC-4563-9077-337D284E3BB6}"/>
+          </ac:picMkLst>
+        </pc:picChg>
+      </pc:sldChg>
+      <pc:sldChg chg="addSp modSp">
+        <pc:chgData name="Fabio Augusto Pereira" userId="S::pereira@ciandt.com::538dfebc-3765-4292-9988-9ddb16e06cc4" providerId="AD" clId="Web-{E820963D-64A6-62FA-FD60-D4EF92B91E33}" dt="2021-06-06T13:44:31.895" v="937" actId="1076"/>
+        <pc:sldMkLst>
+          <pc:docMk/>
+          <pc:sldMk cId="0" sldId="283"/>
+        </pc:sldMkLst>
+        <pc:spChg chg="mod">
+          <ac:chgData name="Fabio Augusto Pereira" userId="S::pereira@ciandt.com::538dfebc-3765-4292-9988-9ddb16e06cc4" providerId="AD" clId="Web-{E820963D-64A6-62FA-FD60-D4EF92B91E33}" dt="2021-06-06T13:44:24.770" v="935" actId="20577"/>
+          <ac:spMkLst>
+            <pc:docMk/>
+            <pc:sldMk cId="0" sldId="283"/>
+            <ac:spMk id="355" creationId="{00000000-0000-0000-0000-000000000000}"/>
+          </ac:spMkLst>
+        </pc:spChg>
+        <pc:picChg chg="add mod">
+          <ac:chgData name="Fabio Augusto Pereira" userId="S::pereira@ciandt.com::538dfebc-3765-4292-9988-9ddb16e06cc4" providerId="AD" clId="Web-{E820963D-64A6-62FA-FD60-D4EF92B91E33}" dt="2021-06-06T13:44:29.145" v="936" actId="1076"/>
+          <ac:picMkLst>
+            <pc:docMk/>
+            <pc:sldMk cId="0" sldId="283"/>
+            <ac:picMk id="2" creationId="{A5891A3E-545E-45AB-803A-0723DEAC3982}"/>
+          </ac:picMkLst>
+        </pc:picChg>
+        <pc:picChg chg="add mod">
+          <ac:chgData name="Fabio Augusto Pereira" userId="S::pereira@ciandt.com::538dfebc-3765-4292-9988-9ddb16e06cc4" providerId="AD" clId="Web-{E820963D-64A6-62FA-FD60-D4EF92B91E33}" dt="2021-06-06T13:44:31.895" v="937" actId="1076"/>
+          <ac:picMkLst>
+            <pc:docMk/>
+            <pc:sldMk cId="0" sldId="283"/>
+            <ac:picMk id="3" creationId="{F2B445A5-9F81-4468-8C50-B54E0590D13D}"/>
+          </ac:picMkLst>
+        </pc:picChg>
+      </pc:sldChg>
+      <pc:sldChg chg="addSp modSp">
+        <pc:chgData name="Fabio Augusto Pereira" userId="S::pereira@ciandt.com::538dfebc-3765-4292-9988-9ddb16e06cc4" providerId="AD" clId="Web-{E820963D-64A6-62FA-FD60-D4EF92B91E33}" dt="2021-06-06T14:59:13.701" v="1039" actId="1076"/>
+        <pc:sldMkLst>
+          <pc:docMk/>
+          <pc:sldMk cId="0" sldId="284"/>
+        </pc:sldMkLst>
+        <pc:spChg chg="mod">
+          <ac:chgData name="Fabio Augusto Pereira" userId="S::pereira@ciandt.com::538dfebc-3765-4292-9988-9ddb16e06cc4" providerId="AD" clId="Web-{E820963D-64A6-62FA-FD60-D4EF92B91E33}" dt="2021-06-06T14:59:10.639" v="1038" actId="20577"/>
+          <ac:spMkLst>
+            <pc:docMk/>
+            <pc:sldMk cId="0" sldId="284"/>
+            <ac:spMk id="361" creationId="{00000000-0000-0000-0000-000000000000}"/>
+          </ac:spMkLst>
+        </pc:spChg>
+        <pc:picChg chg="add mod">
+          <ac:chgData name="Fabio Augusto Pereira" userId="S::pereira@ciandt.com::538dfebc-3765-4292-9988-9ddb16e06cc4" providerId="AD" clId="Web-{E820963D-64A6-62FA-FD60-D4EF92B91E33}" dt="2021-06-06T14:59:13.701" v="1039" actId="1076"/>
+          <ac:picMkLst>
+            <pc:docMk/>
+            <pc:sldMk cId="0" sldId="284"/>
+            <ac:picMk id="2" creationId="{11E37F6C-CA1A-4ECE-B215-236B613A64AE}"/>
+          </ac:picMkLst>
+        </pc:picChg>
+      </pc:sldChg>
+      <pc:sldChg chg="addSp delSp modSp">
+        <pc:chgData name="Fabio Augusto Pereira" userId="S::pereira@ciandt.com::538dfebc-3765-4292-9988-9ddb16e06cc4" providerId="AD" clId="Web-{E820963D-64A6-62FA-FD60-D4EF92B91E33}" dt="2021-06-05T18:45:31.462" v="841" actId="1076"/>
+        <pc:sldMkLst>
+          <pc:docMk/>
+          <pc:sldMk cId="60394955" sldId="287"/>
+        </pc:sldMkLst>
+        <pc:picChg chg="del">
+          <ac:chgData name="Fabio Augusto Pereira" userId="S::pereira@ciandt.com::538dfebc-3765-4292-9988-9ddb16e06cc4" providerId="AD" clId="Web-{E820963D-64A6-62FA-FD60-D4EF92B91E33}" dt="2021-06-05T18:41:47.715" v="835"/>
+          <ac:picMkLst>
+            <pc:docMk/>
+            <pc:sldMk cId="60394955" sldId="287"/>
+            <ac:picMk id="2" creationId="{A3F77E86-B4CA-4386-85FB-5967B1927837}"/>
+          </ac:picMkLst>
+        </pc:picChg>
+        <pc:picChg chg="add mod">
+          <ac:chgData name="Fabio Augusto Pereira" userId="S::pereira@ciandt.com::538dfebc-3765-4292-9988-9ddb16e06cc4" providerId="AD" clId="Web-{E820963D-64A6-62FA-FD60-D4EF92B91E33}" dt="2021-06-05T18:45:31.462" v="841" actId="1076"/>
+          <ac:picMkLst>
+            <pc:docMk/>
+            <pc:sldMk cId="60394955" sldId="287"/>
+            <ac:picMk id="3" creationId="{9B6A692C-5522-4CDE-AF20-365F3CAD4DBA}"/>
+          </ac:picMkLst>
+        </pc:picChg>
       </pc:sldChg>
     </pc:docChg>
   </pc:docChgLst>
@@ -29397,10 +29760,10 @@
       </p:sp>
       <p:pic>
         <p:nvPicPr>
-          <p:cNvPr id="2" name="Imagem 2" descr="Diagrama&#10;&#10;Descrição gerada automaticamente">
+          <p:cNvPr id="3" name="Imagem 3" descr="Diagrama&#10;&#10;Descrição gerada automaticamente">
             <a:extLst>
               <a:ext uri="{FF2B5EF4-FFF2-40B4-BE49-F238E27FC236}">
-                <a16:creationId xmlns:a16="http://schemas.microsoft.com/office/drawing/2014/main" id="{A3F77E86-B4CA-4386-85FB-5967B1927837}"/>
+                <a16:creationId xmlns:a16="http://schemas.microsoft.com/office/drawing/2014/main" id="{9B6A692C-5522-4CDE-AF20-365F3CAD4DBA}"/>
               </a:ext>
             </a:extLst>
           </p:cNvPr>
@@ -29417,8 +29780,8 @@
         </p:blipFill>
         <p:spPr>
           <a:xfrm>
-            <a:off x="76200" y="6255269"/>
-            <a:ext cx="7620000" cy="2909571"/>
+            <a:off x="228600" y="5550013"/>
+            <a:ext cx="7315200" cy="3336410"/>
           </a:xfrm>
           <a:prstGeom prst="rect">
             <a:avLst/>
@@ -29594,10 +29957,10 @@
       </p:sp>
       <p:pic>
         <p:nvPicPr>
-          <p:cNvPr id="4" name="Imagem 4" descr="Diagrama&#10;&#10;Descrição gerada automaticamente">
+          <p:cNvPr id="3" name="Imagem 4" descr="Diagrama, Tabela&#10;&#10;Descrição gerada automaticamente">
             <a:extLst>
               <a:ext uri="{FF2B5EF4-FFF2-40B4-BE49-F238E27FC236}">
-                <a16:creationId xmlns:a16="http://schemas.microsoft.com/office/drawing/2014/main" id="{105D1A07-D665-4E33-8C96-AC622F541E71}"/>
+                <a16:creationId xmlns:a16="http://schemas.microsoft.com/office/drawing/2014/main" id="{439C0D67-0086-46FA-A39A-EBE4294A0076}"/>
               </a:ext>
             </a:extLst>
           </p:cNvPr>
@@ -29614,8 +29977,8 @@
         </p:blipFill>
         <p:spPr>
           <a:xfrm>
-            <a:off x="221289" y="5471927"/>
-            <a:ext cx="7324861" cy="2887961"/>
+            <a:off x="117764" y="5525253"/>
+            <a:ext cx="7564582" cy="3288947"/>
           </a:xfrm>
           <a:prstGeom prst="rect">
             <a:avLst/>
@@ -31094,10 +31457,10 @@
       </p:sp>
       <p:pic>
         <p:nvPicPr>
-          <p:cNvPr id="2" name="Imagem 2" descr="Interface gráfica do usuário, Texto, Aplicativo&#10;&#10;Descrição gerada automaticamente">
+          <p:cNvPr id="3" name="Imagem 3" descr="Texto&#10;&#10;Descrição gerada automaticamente">
             <a:extLst>
               <a:ext uri="{FF2B5EF4-FFF2-40B4-BE49-F238E27FC236}">
-                <a16:creationId xmlns:a16="http://schemas.microsoft.com/office/drawing/2014/main" id="{39611DD7-AEAF-48E2-BC17-650DA6D5F8F1}"/>
+                <a16:creationId xmlns:a16="http://schemas.microsoft.com/office/drawing/2014/main" id="{FF6A20BB-5982-48AB-A829-203C6BFF5354}"/>
               </a:ext>
             </a:extLst>
           </p:cNvPr>
@@ -31114,8 +31477,8 @@
         </p:blipFill>
         <p:spPr>
           <a:xfrm>
-            <a:off x="1932709" y="5259383"/>
-            <a:ext cx="3920836" cy="4638106"/>
+            <a:off x="1046018" y="5163978"/>
+            <a:ext cx="5708072" cy="4745787"/>
           </a:xfrm>
           <a:prstGeom prst="rect">
             <a:avLst/>
@@ -31375,10 +31738,10 @@
       </p:sp>
       <p:pic>
         <p:nvPicPr>
-          <p:cNvPr id="3" name="Imagem 3" descr="Texto&#10;&#10;Descrição gerada automaticamente">
+          <p:cNvPr id="2" name="Imagem 3" descr="Interface gráfica do usuário, Texto, Aplicativo, Email&#10;&#10;Descrição gerada automaticamente">
             <a:extLst>
               <a:ext uri="{FF2B5EF4-FFF2-40B4-BE49-F238E27FC236}">
-                <a16:creationId xmlns:a16="http://schemas.microsoft.com/office/drawing/2014/main" id="{32AE8692-B5D9-48EC-8BE0-6D2C6648C93C}"/>
+                <a16:creationId xmlns:a16="http://schemas.microsoft.com/office/drawing/2014/main" id="{B922C3D0-A265-4582-B6D4-79D90F1A4417}"/>
               </a:ext>
             </a:extLst>
           </p:cNvPr>
@@ -31395,8 +31758,8 @@
         </p:blipFill>
         <p:spPr>
           <a:xfrm>
-            <a:off x="1046284" y="3809761"/>
-            <a:ext cx="5696816" cy="4082082"/>
+            <a:off x="297873" y="3328878"/>
+            <a:ext cx="7176654" cy="3760860"/>
           </a:xfrm>
           <a:prstGeom prst="rect">
             <a:avLst/>
@@ -31723,10 +32086,10 @@
       </p:sp>
       <p:pic>
         <p:nvPicPr>
-          <p:cNvPr id="2" name="Imagem 2" descr="Interface gráfica do usuário, Texto&#10;&#10;Descrição gerada automaticamente">
+          <p:cNvPr id="3" name="Imagem 3">
             <a:extLst>
               <a:ext uri="{FF2B5EF4-FFF2-40B4-BE49-F238E27FC236}">
-                <a16:creationId xmlns:a16="http://schemas.microsoft.com/office/drawing/2014/main" id="{9F5ED98E-ACD8-4214-81F5-55C91CC4A957}"/>
+                <a16:creationId xmlns:a16="http://schemas.microsoft.com/office/drawing/2014/main" id="{4C2A8AA5-93F4-4880-8369-B1031084BE6A}"/>
               </a:ext>
             </a:extLst>
           </p:cNvPr>
@@ -31743,8 +32106,8 @@
         </p:blipFill>
         <p:spPr>
           <a:xfrm>
-            <a:off x="286483" y="4337270"/>
-            <a:ext cx="7203965" cy="1371414"/>
+            <a:off x="256309" y="4328010"/>
+            <a:ext cx="7245928" cy="1748746"/>
           </a:xfrm>
           <a:prstGeom prst="rect">
             <a:avLst/>
@@ -32091,10 +32454,10 @@
       </p:sp>
       <p:pic>
         <p:nvPicPr>
-          <p:cNvPr id="2" name="Imagem 2" descr="Interface gráfica do usuário, Texto, Aplicativo, chat ou mensagem de texto&#10;&#10;Descrição gerada automaticamente">
+          <p:cNvPr id="3" name="Imagem 3" descr="Interface gráfica do usuário, Texto, Aplicativo&#10;&#10;Descrição gerada automaticamente">
             <a:extLst>
               <a:ext uri="{FF2B5EF4-FFF2-40B4-BE49-F238E27FC236}">
-                <a16:creationId xmlns:a16="http://schemas.microsoft.com/office/drawing/2014/main" id="{E950D52B-9A25-4577-A9AD-2CE1018A4C99}"/>
+                <a16:creationId xmlns:a16="http://schemas.microsoft.com/office/drawing/2014/main" id="{50C56B74-1A5A-4DB3-BCC8-F5F5D3F6BB9E}"/>
               </a:ext>
             </a:extLst>
           </p:cNvPr>
@@ -32111,8 +32474,8 @@
         </p:blipFill>
         <p:spPr>
           <a:xfrm>
-            <a:off x="323850" y="4866619"/>
-            <a:ext cx="7129230" cy="1296146"/>
+            <a:off x="394854" y="4605694"/>
+            <a:ext cx="6982691" cy="1747558"/>
           </a:xfrm>
           <a:prstGeom prst="rect">
             <a:avLst/>
@@ -32998,10 +33361,10 @@
       </p:sp>
       <p:pic>
         <p:nvPicPr>
-          <p:cNvPr id="2" name="Imagem 2">
+          <p:cNvPr id="4" name="Imagem 4" descr="Texto&#10;&#10;Descrição gerada automaticamente">
             <a:extLst>
               <a:ext uri="{FF2B5EF4-FFF2-40B4-BE49-F238E27FC236}">
-                <a16:creationId xmlns:a16="http://schemas.microsoft.com/office/drawing/2014/main" id="{06173000-5C6E-4817-A58A-1F9CBE2ED504}"/>
+                <a16:creationId xmlns:a16="http://schemas.microsoft.com/office/drawing/2014/main" id="{6AA03A74-2AA0-4403-A9CC-2727AC442CEF}"/>
               </a:ext>
             </a:extLst>
           </p:cNvPr>
@@ -33018,8 +33381,8 @@
         </p:blipFill>
         <p:spPr>
           <a:xfrm>
-            <a:off x="336304" y="4693641"/>
-            <a:ext cx="7104319" cy="409699"/>
+            <a:off x="297873" y="4337821"/>
+            <a:ext cx="7176655" cy="1742977"/>
           </a:xfrm>
           <a:prstGeom prst="rect">
             <a:avLst/>
@@ -33310,10 +33673,10 @@
       </p:sp>
       <p:pic>
         <p:nvPicPr>
-          <p:cNvPr id="2" name="Imagem 2" descr="Texto&#10;&#10;Descrição gerada automaticamente">
+          <p:cNvPr id="3" name="Imagem 3" descr="Interface gráfica do usuário, Texto, Aplicativo, Email&#10;&#10;Descrição gerada automaticamente">
             <a:extLst>
               <a:ext uri="{FF2B5EF4-FFF2-40B4-BE49-F238E27FC236}">
-                <a16:creationId xmlns:a16="http://schemas.microsoft.com/office/drawing/2014/main" id="{1B22DD7D-B932-4C28-BA95-9E1089BD6B85}"/>
+                <a16:creationId xmlns:a16="http://schemas.microsoft.com/office/drawing/2014/main" id="{18A785BF-783C-4FE7-9EA3-626248E5FBA6}"/>
               </a:ext>
             </a:extLst>
           </p:cNvPr>
@@ -33330,8 +33693,8 @@
         </p:blipFill>
         <p:spPr>
           <a:xfrm>
-            <a:off x="934182" y="4814371"/>
-            <a:ext cx="5908564" cy="3168332"/>
+            <a:off x="187037" y="3971658"/>
+            <a:ext cx="7426035" cy="3860757"/>
           </a:xfrm>
           <a:prstGeom prst="rect">
             <a:avLst/>
@@ -33637,10 +34000,10 @@
       </p:sp>
       <p:pic>
         <p:nvPicPr>
-          <p:cNvPr id="3" name="Imagem 3" descr="Texto&#10;&#10;Descrição gerada automaticamente">
+          <p:cNvPr id="2" name="Imagem 3" descr="Interface gráfica do usuário, Texto, Aplicativo, Email&#10;&#10;Descrição gerada automaticamente">
             <a:extLst>
               <a:ext uri="{FF2B5EF4-FFF2-40B4-BE49-F238E27FC236}">
-                <a16:creationId xmlns:a16="http://schemas.microsoft.com/office/drawing/2014/main" id="{FC914CCB-7096-469B-B47B-977E4C116D13}"/>
+                <a16:creationId xmlns:a16="http://schemas.microsoft.com/office/drawing/2014/main" id="{7C03C518-6B52-4406-8E81-E343A05BEA4D}"/>
               </a:ext>
             </a:extLst>
           </p:cNvPr>
@@ -33657,8 +34020,8 @@
         </p:blipFill>
         <p:spPr>
           <a:xfrm>
-            <a:off x="1208209" y="4427845"/>
-            <a:ext cx="5360509" cy="4725637"/>
+            <a:off x="436418" y="4501688"/>
+            <a:ext cx="6885708" cy="3687386"/>
           </a:xfrm>
           <a:prstGeom prst="rect">
             <a:avLst/>
@@ -33804,21 +34167,10 @@
                 <a:cs typeface="Open Sans"/>
                 <a:sym typeface="Open Sans"/>
               </a:rPr>
-              <a:t>The security approach could be implemented using column-level permissions. </a:t>
+              <a:t>The security approach could be implemented using a new role, granting SELECT / INSERT / </a:t>
             </a:r>
-          </a:p>
-          <a:p>
-            <a:pPr marL="0" indent="0">
-              <a:lnSpc>
-                <a:spcPct val="114999"/>
-              </a:lnSpc>
-              <a:spcBef>
-                <a:spcPts val="1600"/>
-              </a:spcBef>
-              <a:buNone/>
-            </a:pPr>
             <a:r>
-              <a:rPr lang="en" sz="1200" b="1" dirty="0">
+              <a:rPr lang="en" sz="1200" b="1">
                 <a:solidFill>
                   <a:schemeClr val="tx1"/>
                 </a:solidFill>
@@ -33827,9 +34179,9 @@
                 <a:cs typeface="Open Sans"/>
                 <a:sym typeface="Open Sans"/>
               </a:rPr>
-              <a:t>This configure an good option for securing a column providing grant access to particular columns only to the intended user.</a:t>
+              <a:t>UPDATE and DELETE operation over all tables, and revoke all on table salary.</a:t>
             </a:r>
-            <a:endParaRPr lang="en" sz="1200" b="1" dirty="0">
+            <a:endParaRPr lang="en" sz="1200" b="1">
               <a:solidFill>
                 <a:schemeClr val="tx1"/>
               </a:solidFill>
@@ -34393,26 +34745,15 @@
             </a:endParaRPr>
           </a:p>
           <a:p>
-            <a:pPr marL="0" lvl="0" indent="0" algn="l" rtl="0">
+            <a:pPr indent="0">
               <a:spcBef>
                 <a:spcPts val="1600"/>
               </a:spcBef>
-              <a:spcAft>
-                <a:spcPts val="0"/>
-              </a:spcAft>
               <a:buNone/>
             </a:pPr>
-            <a:r>
-              <a:rPr lang="en" sz="1900">
-                <a:solidFill>
-                  <a:srgbClr val="FF0000"/>
-                </a:solidFill>
-              </a:rPr>
-              <a:t>** return a screenshot of the view create code, along with the results of a select all on the view </a:t>
-            </a:r>
             <a:endParaRPr sz="1900">
               <a:solidFill>
-                <a:srgbClr val="FF0000"/>
+                <a:srgbClr val="595959"/>
               </a:solidFill>
             </a:endParaRPr>
           </a:p>
@@ -34422,26 +34763,74 @@
                 <a:spcPts val="1600"/>
               </a:spcBef>
               <a:spcAft>
-                <a:spcPts val="0"/>
+                <a:spcPts val="1600"/>
               </a:spcAft>
               <a:buNone/>
             </a:pPr>
             <a:endParaRPr sz="1900"/>
           </a:p>
-          <a:p>
-            <a:pPr marL="457200" lvl="0" indent="0" algn="l" rtl="0">
-              <a:spcBef>
-                <a:spcPts val="1600"/>
-              </a:spcBef>
-              <a:spcAft>
-                <a:spcPts val="1600"/>
-              </a:spcAft>
-              <a:buNone/>
-            </a:pPr>
-            <a:endParaRPr sz="1900"/>
-          </a:p>
         </p:txBody>
       </p:sp>
+      <p:pic>
+        <p:nvPicPr>
+          <p:cNvPr id="2" name="Imagem 2" descr="Interface gráfica do usuário, Texto, Aplicativo&#10;&#10;Descrição gerada automaticamente">
+            <a:extLst>
+              <a:ext uri="{FF2B5EF4-FFF2-40B4-BE49-F238E27FC236}">
+                <a16:creationId xmlns:a16="http://schemas.microsoft.com/office/drawing/2014/main" id="{C4B08040-3EED-4A5C-84F8-DEFF2A9BA97C}"/>
+              </a:ext>
+            </a:extLst>
+          </p:cNvPr>
+          <p:cNvPicPr>
+            <a:picLocks noChangeAspect="1"/>
+          </p:cNvPicPr>
+          <p:nvPr/>
+        </p:nvPicPr>
+        <p:blipFill>
+          <a:blip r:embed="rId3"/>
+          <a:stretch>
+            <a:fillRect/>
+          </a:stretch>
+        </p:blipFill>
+        <p:spPr>
+          <a:xfrm>
+            <a:off x="270164" y="3189002"/>
+            <a:ext cx="4821381" cy="4858033"/>
+          </a:xfrm>
+          <a:prstGeom prst="rect">
+            <a:avLst/>
+          </a:prstGeom>
+        </p:spPr>
+      </p:pic>
+      <p:pic>
+        <p:nvPicPr>
+          <p:cNvPr id="3" name="Imagem 3" descr="Interface gráfica do usuário, Texto, Aplicativo, Tabela, Email, Excel&#10;&#10;Descrição gerada automaticamente">
+            <a:extLst>
+              <a:ext uri="{FF2B5EF4-FFF2-40B4-BE49-F238E27FC236}">
+                <a16:creationId xmlns:a16="http://schemas.microsoft.com/office/drawing/2014/main" id="{0CB45B0A-65CC-4563-9077-337D284E3BB6}"/>
+              </a:ext>
+            </a:extLst>
+          </p:cNvPr>
+          <p:cNvPicPr>
+            <a:picLocks noChangeAspect="1"/>
+          </p:cNvPicPr>
+          <p:nvPr/>
+        </p:nvPicPr>
+        <p:blipFill>
+          <a:blip r:embed="rId4"/>
+          <a:stretch>
+            <a:fillRect/>
+          </a:stretch>
+        </p:blipFill>
+        <p:spPr>
+          <a:xfrm>
+            <a:off x="2680855" y="5620892"/>
+            <a:ext cx="5001490" cy="2446509"/>
+          </a:xfrm>
+          <a:prstGeom prst="rect">
+            <a:avLst/>
+          </a:prstGeom>
+        </p:spPr>
+      </p:pic>
     </p:spTree>
   </p:cSld>
   <p:clrMapOvr>
@@ -34534,13 +34923,10 @@
           </a:bodyPr>
           <a:lstStyle/>
           <a:p>
-            <a:pPr marL="0" lvl="0" indent="0" algn="l" rtl="0">
-              <a:spcBef>
-                <a:spcPts val="0"/>
-              </a:spcBef>
-              <a:spcAft>
-                <a:spcPts val="0"/>
-              </a:spcAft>
+            <a:pPr marL="0" indent="0">
+              <a:lnSpc>
+                <a:spcPct val="114999"/>
+              </a:lnSpc>
               <a:buNone/>
             </a:pPr>
             <a:r>
@@ -34552,11 +34938,10 @@
               </a:rPr>
               <a:t>Create a stored procedure with parameters that returns current and past jobs (include employee name, job title, department, manager name, start and end date for position) when given an employee name.</a:t>
             </a:r>
-            <a:endParaRPr sz="2000" b="1">
+            <a:endParaRPr lang="pt-BR" sz="2000" b="1">
               <a:latin typeface="Open Sans"/>
               <a:ea typeface="Open Sans"/>
               <a:cs typeface="Open Sans"/>
-              <a:sym typeface="Open Sans"/>
             </a:endParaRPr>
           </a:p>
           <a:p>
@@ -34569,15 +34954,7 @@
               </a:spcAft>
               <a:buNone/>
             </a:pPr>
-            <a:r>
-              <a:rPr lang="en" sz="1900">
-                <a:solidFill>
-                  <a:srgbClr val="FF0000"/>
-                </a:solidFill>
-              </a:rPr>
-              <a:t>** submit screenshot of stored procedure creation code, along with a screenshot of the stored procedure executed using Toni Lembeck as the parameter value</a:t>
-            </a:r>
-            <a:endParaRPr sz="1900">
+            <a:endParaRPr lang="en" sz="1900" dirty="0">
               <a:solidFill>
                 <a:srgbClr val="FF0000"/>
               </a:solidFill>
@@ -34609,6 +34986,66 @@
           </a:p>
         </p:txBody>
       </p:sp>
+      <p:pic>
+        <p:nvPicPr>
+          <p:cNvPr id="2" name="Imagem 2" descr="Interface gráfica do usuário, Texto, Aplicativo, Email&#10;&#10;Descrição gerada automaticamente">
+            <a:extLst>
+              <a:ext uri="{FF2B5EF4-FFF2-40B4-BE49-F238E27FC236}">
+                <a16:creationId xmlns:a16="http://schemas.microsoft.com/office/drawing/2014/main" id="{A5891A3E-545E-45AB-803A-0723DEAC3982}"/>
+              </a:ext>
+            </a:extLst>
+          </p:cNvPr>
+          <p:cNvPicPr>
+            <a:picLocks noChangeAspect="1"/>
+          </p:cNvPicPr>
+          <p:nvPr/>
+        </p:nvPicPr>
+        <p:blipFill>
+          <a:blip r:embed="rId3"/>
+          <a:stretch>
+            <a:fillRect/>
+          </a:stretch>
+        </p:blipFill>
+        <p:spPr>
+          <a:xfrm>
+            <a:off x="949036" y="3942471"/>
+            <a:ext cx="4724399" cy="4348622"/>
+          </a:xfrm>
+          <a:prstGeom prst="rect">
+            <a:avLst/>
+          </a:prstGeom>
+        </p:spPr>
+      </p:pic>
+      <p:pic>
+        <p:nvPicPr>
+          <p:cNvPr id="3" name="Imagem 3" descr="Interface gráfica do usuário, Aplicativo&#10;&#10;Descrição gerada automaticamente">
+            <a:extLst>
+              <a:ext uri="{FF2B5EF4-FFF2-40B4-BE49-F238E27FC236}">
+                <a16:creationId xmlns:a16="http://schemas.microsoft.com/office/drawing/2014/main" id="{F2B445A5-9F81-4468-8C50-B54E0590D13D}"/>
+              </a:ext>
+            </a:extLst>
+          </p:cNvPr>
+          <p:cNvPicPr>
+            <a:picLocks noChangeAspect="1"/>
+          </p:cNvPicPr>
+          <p:nvPr/>
+        </p:nvPicPr>
+        <p:blipFill>
+          <a:blip r:embed="rId4"/>
+          <a:stretch>
+            <a:fillRect/>
+          </a:stretch>
+        </p:blipFill>
+        <p:spPr>
+          <a:xfrm>
+            <a:off x="658091" y="8425296"/>
+            <a:ext cx="5320145" cy="1285009"/>
+          </a:xfrm>
+          <a:prstGeom prst="rect">
+            <a:avLst/>
+          </a:prstGeom>
+        </p:spPr>
+      </p:pic>
     </p:spTree>
   </p:cSld>
   <p:clrMapOvr>
@@ -34727,99 +35164,50 @@
             </a:endParaRPr>
           </a:p>
           <a:p>
-            <a:pPr marL="0" lvl="0" indent="0" algn="l" rtl="0">
+            <a:pPr marL="0" indent="0">
               <a:spcBef>
                 <a:spcPts val="1600"/>
               </a:spcBef>
-              <a:spcAft>
-                <a:spcPts val="0"/>
-              </a:spcAft>
               <a:buNone/>
             </a:pPr>
-            <a:r>
-              <a:rPr lang="en" sz="1900">
-                <a:solidFill>
-                  <a:srgbClr val="FF0000"/>
-                </a:solidFill>
-              </a:rPr>
-              <a:t>Create a non-management user named </a:t>
-            </a:r>
-            <a:r>
-              <a:rPr lang="en" sz="1900">
-                <a:solidFill>
-                  <a:srgbClr val="FF0000"/>
-                </a:solidFill>
-                <a:latin typeface="Source Code Pro"/>
-                <a:ea typeface="Source Code Pro"/>
-                <a:cs typeface="Source Code Pro"/>
-                <a:sym typeface="Source Code Pro"/>
-              </a:rPr>
-              <a:t>NoMgr</a:t>
-            </a:r>
-            <a:r>
-              <a:rPr lang="en" sz="1900">
-                <a:solidFill>
-                  <a:srgbClr val="FF0000"/>
-                </a:solidFill>
-                <a:latin typeface="Open Sans"/>
-                <a:ea typeface="Open Sans"/>
-                <a:cs typeface="Open Sans"/>
-                <a:sym typeface="Open Sans"/>
-              </a:rPr>
-              <a:t>.</a:t>
-            </a:r>
-            <a:r>
-              <a:rPr lang="en" sz="1900">
-                <a:solidFill>
-                  <a:srgbClr val="FF0000"/>
-                </a:solidFill>
-              </a:rPr>
-              <a:t> Show the code of how your would grant access to the database, but revoke access to the salary data.</a:t>
-            </a:r>
-            <a:endParaRPr sz="1900">
+            <a:endParaRPr lang="en" sz="1900" dirty="0">
               <a:solidFill>
                 <a:srgbClr val="FF0000"/>
               </a:solidFill>
             </a:endParaRPr>
           </a:p>
-          <a:p>
-            <a:pPr marL="0" lvl="0" indent="0" algn="l" rtl="0">
-              <a:spcBef>
-                <a:spcPts val="1600"/>
-              </a:spcBef>
-              <a:spcAft>
-                <a:spcPts val="0"/>
-              </a:spcAft>
-              <a:buNone/>
-            </a:pPr>
-            <a:r>
-              <a:rPr lang="en" sz="1900">
-                <a:solidFill>
-                  <a:srgbClr val="FF0000"/>
-                </a:solidFill>
-              </a:rPr>
-              <a:t>Submit screenshot of code</a:t>
-            </a:r>
-            <a:endParaRPr sz="1900">
-              <a:solidFill>
-                <a:srgbClr val="FF0000"/>
-              </a:solidFill>
-            </a:endParaRPr>
-          </a:p>
-          <a:p>
-            <a:pPr marL="457200" lvl="0" indent="0" algn="l" rtl="0">
-              <a:spcBef>
-                <a:spcPts val="1600"/>
-              </a:spcBef>
-              <a:spcAft>
-                <a:spcPts val="1600"/>
-              </a:spcAft>
-              <a:buNone/>
-            </a:pPr>
-            <a:endParaRPr sz="1900"/>
-          </a:p>
         </p:txBody>
       </p:sp>
+      <p:pic>
+        <p:nvPicPr>
+          <p:cNvPr id="2" name="Imagem 2">
+            <a:extLst>
+              <a:ext uri="{FF2B5EF4-FFF2-40B4-BE49-F238E27FC236}">
+                <a16:creationId xmlns:a16="http://schemas.microsoft.com/office/drawing/2014/main" id="{11E37F6C-CA1A-4ECE-B215-236B613A64AE}"/>
+              </a:ext>
+            </a:extLst>
+          </p:cNvPr>
+          <p:cNvPicPr>
+            <a:picLocks noChangeAspect="1"/>
+          </p:cNvPicPr>
+          <p:nvPr/>
+        </p:nvPicPr>
+        <p:blipFill>
+          <a:blip r:embed="rId3"/>
+          <a:stretch>
+            <a:fillRect/>
+          </a:stretch>
+        </p:blipFill>
+        <p:spPr>
+          <a:xfrm>
+            <a:off x="159327" y="3242334"/>
+            <a:ext cx="7245928" cy="2354534"/>
+          </a:xfrm>
+          <a:prstGeom prst="rect">
+            <a:avLst/>
+          </a:prstGeom>
+        </p:spPr>
+      </p:pic>
     </p:spTree>
   </p:cSld>
   <p:clrMapOvr>
@@ -37084,7 +37472,7 @@
               <a:buChar char="●"/>
             </a:pPr>
             <a:r>
-              <a:rPr lang="en" sz="1900" b="1">
+              <a:rPr lang="en" sz="1900" b="1" dirty="0">
                 <a:latin typeface="Open Sans"/>
                 <a:ea typeface="Open Sans"/>
                 <a:cs typeface="Open Sans"/>
@@ -37092,7 +37480,7 @@
               </a:rPr>
               <a:t>Justification for the new database</a:t>
             </a:r>
-            <a:endParaRPr sz="1900" b="1">
+            <a:endParaRPr sz="1900" b="1" dirty="0">
               <a:latin typeface="Open Sans"/>
               <a:ea typeface="Open Sans"/>
               <a:cs typeface="Open Sans"/>
@@ -37100,35 +37488,49 @@
             </a:endParaRPr>
           </a:p>
           <a:p>
-            <a:pPr marL="457200" lvl="0" indent="0" algn="l" rtl="0">
+            <a:pPr indent="0">
               <a:lnSpc>
                 <a:spcPct val="100000"/>
               </a:lnSpc>
               <a:spcBef>
                 <a:spcPts val="1600"/>
               </a:spcBef>
-              <a:spcAft>
-                <a:spcPts val="0"/>
-              </a:spcAft>
               <a:buNone/>
             </a:pPr>
             <a:r>
-              <a:rPr lang="en" sz="1700"/>
-              <a:t>Provide at least two justifications for building a database</a:t>
+              <a:rPr lang="en" sz="1700" dirty="0"/>
+              <a:t>When the company enable multi-user editing and store Excel file on  a shared server, the process is error prone may result in people overwriting each other's work. </a:t>
             </a:r>
-            <a:endParaRPr sz="1900"/>
-          </a:p>
-          <a:p>
-            <a:pPr marL="0" lvl="0" indent="0" algn="l" rtl="0">
-              <a:spcBef>
-                <a:spcPts val="0"/>
-              </a:spcBef>
-              <a:spcAft>
-                <a:spcPts val="0"/>
-              </a:spcAft>
+          </a:p>
+          <a:p>
+            <a:pPr indent="0">
+              <a:lnSpc>
+                <a:spcPct val="100000"/>
+              </a:lnSpc>
+              <a:spcBef>
+                <a:spcPts val="1600"/>
+              </a:spcBef>
               <a:buNone/>
             </a:pPr>
-            <a:endParaRPr sz="1900"/>
+            <a:r>
+              <a:rPr lang="en" sz="1700" dirty="0"/>
+              <a:t>This shared resource create an high risk to maintain accurate data. Excel provides limited methods to validate input, and these safeguards can be easily bypassed or ignored. This result in compromised and inaccurate date due to manual errors. </a:t>
+            </a:r>
+          </a:p>
+          <a:p>
+            <a:pPr indent="0">
+              <a:lnSpc>
+                <a:spcPct val="100000"/>
+              </a:lnSpc>
+              <a:spcBef>
+                <a:spcPts val="1600"/>
+              </a:spcBef>
+              <a:buNone/>
+            </a:pPr>
+            <a:r>
+              <a:rPr lang="en" sz="1700" dirty="0"/>
+              <a:t>Data security is another important subject, salary for example require some level of security or user permissions, Excel allows to protect data with a password and Windows based permissions, but is extremely delicate and requires a deep understanding of Excel.</a:t>
+            </a:r>
           </a:p>
           <a:p>
             <a:pPr marL="457200" lvl="0" indent="-349250" algn="l" rtl="0">
@@ -37143,7 +37545,7 @@
               <a:buChar char="●"/>
             </a:pPr>
             <a:r>
-              <a:rPr lang="en" sz="1900" b="1">
+              <a:rPr lang="en" sz="1900" b="1" dirty="0">
                 <a:latin typeface="Open Sans"/>
                 <a:ea typeface="Open Sans"/>
                 <a:cs typeface="Open Sans"/>
@@ -37151,7 +37553,7 @@
               </a:rPr>
               <a:t>Database objects</a:t>
             </a:r>
-            <a:endParaRPr sz="1900" b="1">
+            <a:endParaRPr sz="1900" b="1" dirty="0">
               <a:latin typeface="Open Sans"/>
               <a:ea typeface="Open Sans"/>
               <a:cs typeface="Open Sans"/>
@@ -37159,69 +37561,42 @@
             </a:endParaRPr>
           </a:p>
           <a:p>
-            <a:pPr marL="457200" lvl="0" indent="0" algn="l" rtl="0">
+            <a:pPr indent="0">
               <a:lnSpc>
                 <a:spcPct val="100000"/>
               </a:lnSpc>
               <a:spcBef>
                 <a:spcPts val="1600"/>
               </a:spcBef>
-              <a:spcAft>
-                <a:spcPts val="0"/>
-              </a:spcAft>
               <a:buNone/>
             </a:pPr>
             <a:r>
-              <a:rPr lang="en" sz="1700"/>
-              <a:t>List the database objects (tables, views, special procedures)  that will be created for the database. </a:t>
+              <a:rPr lang="en" sz="1700" dirty="0"/>
+              <a:t>The following tables will be required: </a:t>
             </a:r>
-            <a:endParaRPr sz="1700"/>
-          </a:p>
-          <a:p>
-            <a:pPr marL="457200" lvl="0" indent="0" algn="l" rtl="0">
-              <a:lnSpc>
-                <a:spcPct val="100000"/>
-              </a:lnSpc>
-              <a:spcBef>
-                <a:spcPts val="0"/>
-              </a:spcBef>
-              <a:spcAft>
-                <a:spcPts val="0"/>
-              </a:spcAft>
-              <a:buNone/>
-            </a:pPr>
-            <a:endParaRPr sz="1700"/>
-          </a:p>
-          <a:p>
-            <a:pPr marL="457200" lvl="0" indent="0" algn="l" rtl="0">
-              <a:lnSpc>
-                <a:spcPct val="100000"/>
-              </a:lnSpc>
-              <a:spcBef>
-                <a:spcPts val="0"/>
-              </a:spcBef>
-              <a:spcAft>
-                <a:spcPts val="0"/>
-              </a:spcAft>
+          </a:p>
+          <a:p>
+            <a:pPr indent="0">
+              <a:lnSpc>
+                <a:spcPct val="100000"/>
+              </a:lnSpc>
+              <a:spcBef>
+                <a:spcPts val="1600"/>
+              </a:spcBef>
               <a:buNone/>
             </a:pPr>
             <a:r>
-              <a:rPr lang="en" sz="1700"/>
-              <a:t>Hint - you may want to circle back to this answer after completing the logical ERD in step 2.</a:t>
+              <a:rPr lang="en" sz="1700" dirty="0"/>
+              <a:t>- Job, Salary, Department, Address, City, State, Location, Education, Employee, Employee Registry</a:t>
             </a:r>
-            <a:endParaRPr sz="1700"/>
-          </a:p>
-          <a:p>
-            <a:pPr marL="457200" lvl="0" indent="0" algn="l" rtl="0">
-              <a:spcBef>
-                <a:spcPts val="0"/>
-              </a:spcBef>
-              <a:spcAft>
-                <a:spcPts val="0"/>
-              </a:spcAft>
+          </a:p>
+          <a:p>
+            <a:pPr indent="0">
               <a:buNone/>
             </a:pPr>
-            <a:endParaRPr sz="1900"/>
+            <a:endParaRPr lang="en" sz="1900">
+              <a:sym typeface="Open Sans"/>
+            </a:endParaRPr>
           </a:p>
           <a:p>
             <a:pPr marL="457200" lvl="0" indent="-349250" algn="l" rtl="0">
@@ -37236,7 +37611,7 @@
               <a:buChar char="●"/>
             </a:pPr>
             <a:r>
-              <a:rPr lang="en" sz="1900" b="1">
+              <a:rPr lang="en" sz="1900" b="1" dirty="0">
                 <a:latin typeface="Open Sans"/>
                 <a:ea typeface="Open Sans"/>
                 <a:cs typeface="Open Sans"/>
@@ -37244,7 +37619,7 @@
               </a:rPr>
               <a:t>Data ingestion</a:t>
             </a:r>
-            <a:endParaRPr sz="1900" b="1">
+            <a:endParaRPr sz="1900" b="1" dirty="0">
               <a:latin typeface="Open Sans"/>
               <a:ea typeface="Open Sans"/>
               <a:cs typeface="Open Sans"/>
@@ -37252,28 +37627,24 @@
             </a:endParaRPr>
           </a:p>
           <a:p>
-            <a:pPr marL="457200" lvl="0" indent="0" algn="l" rtl="0">
+            <a:pPr indent="0">
               <a:lnSpc>
                 <a:spcPct val="100000"/>
               </a:lnSpc>
               <a:spcBef>
                 <a:spcPts val="1600"/>
               </a:spcBef>
-              <a:spcAft>
-                <a:spcPts val="0"/>
-              </a:spcAft>
               <a:buClr>
                 <a:schemeClr val="dk1"/>
               </a:buClr>
               <a:buSzPts val="1100"/>
-              <a:buFont typeface="Arial"/>
               <a:buNone/>
             </a:pPr>
             <a:r>
-              <a:rPr lang="en" sz="1700"/>
-              <a:t>Select a data ingestion method (ERD, Direct feed, API) based on the information provided. </a:t>
+              <a:rPr lang="en" sz="1700" dirty="0"/>
+              <a:t>The data will be ingested via ETL method using a CSV file, generated from Excel fil. </a:t>
             </a:r>
-            <a:endParaRPr sz="1900"/>
+            <a:endParaRPr sz="1900" dirty="0"/>
           </a:p>
         </p:txBody>
       </p:sp>
@@ -37381,7 +37752,7 @@
               <a:buChar char="●"/>
             </a:pPr>
             <a:r>
-              <a:rPr lang="en" sz="1600" b="1">
+              <a:rPr lang="en" sz="1600" b="1" dirty="0">
                 <a:latin typeface="Open Sans"/>
                 <a:ea typeface="Open Sans"/>
                 <a:cs typeface="Open Sans"/>
@@ -37389,7 +37760,7 @@
               </a:rPr>
               <a:t>Data governance (Ownership and User access)</a:t>
             </a:r>
-            <a:endParaRPr lang="pt-BR" sz="1600" b="1">
+            <a:endParaRPr lang="pt-BR" sz="1600" b="1" dirty="0">
               <a:latin typeface="Open Sans"/>
               <a:ea typeface="Open Sans"/>
               <a:cs typeface="Open Sans"/>
@@ -37406,7 +37777,7 @@
               <a:buNone/>
             </a:pPr>
             <a:r>
-              <a:rPr lang="en" sz="1600" b="1">
+              <a:rPr lang="en" sz="1600" b="1" dirty="0">
                 <a:latin typeface="Open Sans"/>
                 <a:ea typeface="Open Sans"/>
                 <a:cs typeface="Open Sans"/>
@@ -37415,10 +37786,14 @@
               <a:t>Ownership: </a:t>
             </a:r>
             <a:r>
-              <a:rPr lang="en" sz="1600"/>
-              <a:t>HR Departament</a:t>
+              <a:rPr lang="en" sz="1600" dirty="0"/>
+              <a:t>HR </a:t>
             </a:r>
-            <a:endParaRPr sz="1600" dirty="0"/>
+            <a:r>
+              <a:rPr lang="en" sz="1600" dirty="0" err="1"/>
+              <a:t>Departament</a:t>
+            </a:r>
+            <a:endParaRPr sz="1600" dirty="0" err="1"/>
           </a:p>
           <a:p>
             <a:pPr indent="0">
@@ -37440,13 +37815,7 @@
               <a:rPr lang="en" sz="1600" dirty="0">
                 <a:sym typeface="Open Sans"/>
               </a:rPr>
-              <a:t>HR and Management wil have read and write access to all tables. All others users with a domain login will </a:t>
-            </a:r>
-            <a:r>
-              <a:rPr lang="en" sz="1600">
-                <a:sym typeface="Open Sans"/>
-              </a:rPr>
-              <a:t>have read access to all tables without sensitive data</a:t>
+              <a:t>HR and Management wil have read and write access to all tables. All others users with a domain login will have read access to all tables without sensitive data</a:t>
             </a:r>
             <a:endParaRPr lang="en" sz="1600" dirty="0"/>
           </a:p>
@@ -37468,120 +37837,6 @@
               <a:buSzPts val="1900"/>
               <a:buFont typeface="Open Sans"/>
               <a:buChar char="●"/>
-            </a:pPr>
-            <a:r>
-              <a:rPr lang="en" sz="1600" b="1">
-                <a:latin typeface="Open Sans"/>
-                <a:ea typeface="Open Sans"/>
-                <a:cs typeface="Open Sans"/>
-                <a:sym typeface="Open Sans"/>
-              </a:rPr>
-              <a:t>Scalability </a:t>
-            </a:r>
-            <a:endParaRPr sz="1600" b="1">
-              <a:latin typeface="Open Sans"/>
-              <a:ea typeface="Open Sans"/>
-              <a:cs typeface="Open Sans"/>
-            </a:endParaRPr>
-          </a:p>
-          <a:p>
-            <a:pPr indent="0">
-              <a:lnSpc>
-                <a:spcPct val="114999"/>
-              </a:lnSpc>
-              <a:spcBef>
-                <a:spcPts val="1600"/>
-              </a:spcBef>
-              <a:buNone/>
-            </a:pPr>
-            <a:r>
-              <a:rPr lang="en" sz="1600" dirty="0"/>
-              <a:t>Based on database volumetry requirements, the database doesn't require elasticity. The scalability strategy will be an </a:t>
-            </a:r>
-            <a:r>
-              <a:rPr lang="en" sz="1600"/>
-              <a:t>vertical scaling if needed.</a:t>
-            </a:r>
-            <a:endParaRPr lang="en" sz="1600" dirty="0"/>
-          </a:p>
-          <a:p>
-            <a:pPr indent="-349250">
-              <a:lnSpc>
-                <a:spcPct val="114999"/>
-              </a:lnSpc>
-              <a:spcBef>
-                <a:spcPts val="1600"/>
-              </a:spcBef>
-              <a:buSzPts val="1900"/>
-              <a:buFont typeface="Open Sans"/>
-              <a:buChar char="●"/>
-            </a:pPr>
-            <a:r>
-              <a:rPr lang="en" sz="1600" b="1">
-                <a:latin typeface="Open Sans"/>
-                <a:ea typeface="Open Sans"/>
-                <a:cs typeface="Open Sans"/>
-              </a:rPr>
-              <a:t>Flexibility</a:t>
-            </a:r>
-            <a:endParaRPr lang="en" sz="1600" dirty="0"/>
-          </a:p>
-          <a:p>
-            <a:pPr indent="0">
-              <a:lnSpc>
-                <a:spcPct val="114999"/>
-              </a:lnSpc>
-              <a:spcBef>
-                <a:spcPts val="1600"/>
-              </a:spcBef>
-              <a:buNone/>
-            </a:pPr>
-            <a:r>
-              <a:rPr lang="en" sz="1600" dirty="0"/>
-              <a:t>The database model should be flexible enough to ensure </a:t>
-            </a:r>
-            <a:r>
-              <a:rPr lang="en" sz="1600"/>
-              <a:t>future reporting capabilities, and integrate with finance database.</a:t>
-            </a:r>
-            <a:endParaRPr lang="en" sz="1600" dirty="0"/>
-          </a:p>
-          <a:p>
-            <a:pPr marL="457200" lvl="0" indent="-349250" algn="l" rtl="0">
-              <a:spcBef>
-                <a:spcPts val="1600"/>
-              </a:spcBef>
-              <a:spcAft>
-                <a:spcPts val="0"/>
-              </a:spcAft>
-              <a:buSzPts val="1900"/>
-              <a:buFont typeface="Open Sans"/>
-              <a:buChar char="●"/>
-            </a:pPr>
-            <a:r>
-              <a:rPr lang="en" sz="1600" b="1">
-                <a:latin typeface="Open Sans"/>
-                <a:ea typeface="Open Sans"/>
-                <a:cs typeface="Open Sans"/>
-                <a:sym typeface="Open Sans"/>
-              </a:rPr>
-              <a:t>Storage &amp; retention</a:t>
-            </a:r>
-            <a:endParaRPr sz="1600" b="1">
-              <a:latin typeface="Open Sans"/>
-              <a:ea typeface="Open Sans"/>
-              <a:cs typeface="Open Sans"/>
-            </a:endParaRPr>
-          </a:p>
-          <a:p>
-            <a:pPr indent="0">
-              <a:lnSpc>
-                <a:spcPct val="100000"/>
-              </a:lnSpc>
-              <a:spcBef>
-                <a:spcPts val="1600"/>
-              </a:spcBef>
-              <a:buNone/>
             </a:pPr>
             <a:r>
               <a:rPr lang="en" sz="1600" b="1" dirty="0">
@@ -37590,28 +37845,78 @@
                 <a:cs typeface="Open Sans"/>
                 <a:sym typeface="Open Sans"/>
               </a:rPr>
-              <a:t>Storage (disk or in-memory): </a:t>
+              <a:t>Scalability </a:t>
             </a:r>
+            <a:endParaRPr sz="1600" b="1" dirty="0">
+              <a:latin typeface="Open Sans"/>
+              <a:ea typeface="Open Sans"/>
+              <a:cs typeface="Open Sans"/>
+            </a:endParaRPr>
+          </a:p>
+          <a:p>
+            <a:pPr indent="0">
+              <a:lnSpc>
+                <a:spcPct val="114999"/>
+              </a:lnSpc>
+              <a:spcBef>
+                <a:spcPts val="1600"/>
+              </a:spcBef>
+              <a:buNone/>
+            </a:pPr>
             <a:r>
-              <a:rPr lang="en" sz="1600" dirty="0">
-                <a:sym typeface="Open Sans"/>
-              </a:rPr>
-              <a:t>Disk storage is sufficient  and </a:t>
-            </a:r>
-            <a:r>
-              <a:rPr lang="en" sz="1600">
-                <a:sym typeface="Open Sans"/>
-              </a:rPr>
-              <a:t>does not exist any special computacional processing.</a:t>
+              <a:rPr lang="en" sz="1600"/>
+              <a:t>Replicated databases will suffice as most users will be reading data and only a handful of users will be writing to the database at a time. </a:t>
             </a:r>
             <a:endParaRPr lang="en" sz="1600" dirty="0"/>
           </a:p>
           <a:p>
+            <a:pPr indent="-349250">
+              <a:lnSpc>
+                <a:spcPct val="114999"/>
+              </a:lnSpc>
+              <a:spcBef>
+                <a:spcPts val="1600"/>
+              </a:spcBef>
+              <a:buSzPts val="1900"/>
+              <a:buFont typeface="Open Sans"/>
+              <a:buChar char="●"/>
+            </a:pPr>
+            <a:r>
+              <a:rPr lang="en" sz="1600" b="1" dirty="0">
+                <a:latin typeface="Open Sans"/>
+                <a:ea typeface="Open Sans"/>
+                <a:cs typeface="Open Sans"/>
+              </a:rPr>
+              <a:t>Flexibility</a:t>
+            </a:r>
+            <a:endParaRPr lang="en" sz="1600" dirty="0"/>
+          </a:p>
+          <a:p>
             <a:pPr indent="0">
               <a:lnSpc>
-                <a:spcPct val="100000"/>
-              </a:lnSpc>
-              <a:buNone/>
+                <a:spcPct val="114999"/>
+              </a:lnSpc>
+              <a:spcBef>
+                <a:spcPts val="1600"/>
+              </a:spcBef>
+              <a:buNone/>
+            </a:pPr>
+            <a:r>
+              <a:rPr lang="en" sz="1600" dirty="0"/>
+              <a:t>The database model should be flexible enough to ensure future reporting capabilities, and integrate with finance database.</a:t>
+            </a:r>
+          </a:p>
+          <a:p>
+            <a:pPr marL="457200" lvl="0" indent="-349250" algn="l" rtl="0">
+              <a:spcBef>
+                <a:spcPts val="1600"/>
+              </a:spcBef>
+              <a:spcAft>
+                <a:spcPts val="0"/>
+              </a:spcAft>
+              <a:buSzPts val="1900"/>
+              <a:buFont typeface="Open Sans"/>
+              <a:buChar char="●"/>
             </a:pPr>
             <a:r>
               <a:rPr lang="en" sz="1600" b="1" dirty="0">
@@ -37620,10 +37925,78 @@
                 <a:cs typeface="Open Sans"/>
                 <a:sym typeface="Open Sans"/>
               </a:rPr>
+              <a:t>Storage &amp; retention</a:t>
+            </a:r>
+            <a:endParaRPr sz="1600" b="1" dirty="0">
+              <a:latin typeface="Open Sans"/>
+              <a:ea typeface="Open Sans"/>
+              <a:cs typeface="Open Sans"/>
+            </a:endParaRPr>
+          </a:p>
+          <a:p>
+            <a:pPr indent="0">
+              <a:lnSpc>
+                <a:spcPct val="100000"/>
+              </a:lnSpc>
+              <a:spcBef>
+                <a:spcPts val="1600"/>
+              </a:spcBef>
+              <a:buNone/>
+            </a:pPr>
+            <a:r>
+              <a:rPr lang="en" sz="1600" b="1" dirty="0">
+                <a:latin typeface="Open Sans"/>
+                <a:ea typeface="Open Sans"/>
+                <a:cs typeface="Open Sans"/>
+                <a:sym typeface="Open Sans"/>
+              </a:rPr>
+              <a:t>Storage (disk or in-memory):</a:t>
+            </a:r>
+            <a:r>
+              <a:rPr lang="en" sz="1600" b="1" dirty="0">
+                <a:ea typeface="Open Sans"/>
+                <a:cs typeface="Open Sans"/>
+                <a:sym typeface="Open Sans"/>
+              </a:rPr>
+              <a:t> </a:t>
+            </a:r>
+            <a:r>
+              <a:rPr lang="en" sz="1600" dirty="0">
+                <a:sym typeface="Open Sans"/>
+              </a:rPr>
+              <a:t>Disk storage is sufficient  and does not exist any special </a:t>
+            </a:r>
+            <a:r>
+              <a:rPr lang="en" sz="1600">
+                <a:sym typeface="Open Sans"/>
+              </a:rPr>
+              <a:t>computational</a:t>
+            </a:r>
+            <a:r>
+              <a:rPr lang="en" sz="1600" dirty="0">
+                <a:sym typeface="Open Sans"/>
+              </a:rPr>
+              <a:t> processing.</a:t>
+            </a:r>
+            <a:endParaRPr lang="en" sz="1600" dirty="0"/>
+          </a:p>
+          <a:p>
+            <a:pPr indent="0">
+              <a:lnSpc>
+                <a:spcPct val="100000"/>
+              </a:lnSpc>
+              <a:buNone/>
+            </a:pPr>
+            <a:r>
+              <a:rPr lang="en" sz="1600" b="1" dirty="0">
+                <a:ea typeface="Open Sans"/>
+                <a:cs typeface="Open Sans"/>
+                <a:sym typeface="Open Sans"/>
+              </a:rPr>
               <a:t>Retention: </a:t>
             </a:r>
             <a:r>
-              <a:rPr lang="en" sz="1600"/>
+              <a:rPr lang="en" sz="1600" dirty="0"/>
               <a:t>Minimum of 7 years.</a:t>
             </a:r>
             <a:endParaRPr sz="1600" dirty="0"/>
@@ -37656,7 +38029,7 @@
               <a:buChar char="●"/>
             </a:pPr>
             <a:r>
-              <a:rPr lang="en" sz="1600" b="1">
+              <a:rPr lang="en" sz="1600" b="1" dirty="0">
                 <a:latin typeface="Open Sans"/>
                 <a:ea typeface="Open Sans"/>
                 <a:cs typeface="Open Sans"/>
@@ -37664,7 +38037,7 @@
               </a:rPr>
               <a:t>Backup</a:t>
             </a:r>
-            <a:endParaRPr sz="1600" b="1">
+            <a:endParaRPr sz="1600" b="1" dirty="0">
               <a:latin typeface="Open Sans"/>
               <a:ea typeface="Open Sans"/>
               <a:cs typeface="Open Sans"/>
@@ -37682,20 +38055,16 @@
               <a:buNone/>
             </a:pPr>
             <a:r>
-              <a:rPr lang="pt-BR" sz="1700" dirty="0"/>
+              <a:rPr lang="pt-BR" sz="1600" dirty="0"/>
               <a:t>HR database </a:t>
             </a:r>
             <a:r>
-              <a:rPr lang="en" sz="1700" dirty="0"/>
+              <a:rPr lang="en" sz="1600" dirty="0"/>
               <a:t>contains critical data regulated by the f</a:t>
             </a:r>
             <a:r>
-              <a:rPr lang="en-US" sz="1700" dirty="0"/>
-              <a:t>ederal government. The backup process will be executed daily for data and </a:t>
-            </a:r>
-            <a:r>
-              <a:rPr lang="en-US" sz="1700"/>
-              <a:t>fully backed once a week.</a:t>
+              <a:rPr lang="en-US" sz="1600" dirty="0"/>
+              <a:t>ederal government. The backup process will be executed daily for data and fully backed once a week.</a:t>
             </a:r>
           </a:p>
           <a:p>
